--- a/2023-03-11/01 Überblick dritter Kurstag.pptx
+++ b/2023-03-11/01 Überblick dritter Kurstag.pptx
@@ -282,7 +282,7 @@
               <a:pPr>
                 <a:defRPr/>
               </a:pPr>
-              <a:t>05.03.2023</a:t>
+              <a:t>11.03.2023</a:t>
             </a:fld>
             <a:endParaRPr lang="de-AT"/>
           </a:p>
@@ -497,7 +497,7 @@
               <a:pPr>
                 <a:defRPr/>
               </a:pPr>
-              <a:t>05.03.2023</a:t>
+              <a:t>10.03.2023</a:t>
             </a:fld>
             <a:endParaRPr lang="de-AT"/>
           </a:p>
@@ -2175,7 +2175,7 @@
         </p:nvSpPr>
         <p:spPr>
           <a:xfrm>
-            <a:off x="468313" y="1052736"/>
+            <a:off x="468313" y="1557139"/>
             <a:ext cx="8207375" cy="4608165"/>
           </a:xfrm>
         </p:spPr>
@@ -2184,69 +2184,8 @@
           <a:lstStyle/>
           <a:p>
             <a:r>
-              <a:rPr lang="de-AT" sz="2800" dirty="0"/>
+              <a:rPr lang="de-AT" sz="3600" dirty="0"/>
               <a:t>WLAN: </a:t>
-            </a:r>
-            <a:r>
-              <a:rPr lang="de-AT" sz="2800" dirty="0" err="1">
-                <a:solidFill>
-                  <a:srgbClr val="FF0000"/>
-                </a:solidFill>
-              </a:rPr>
-              <a:t>iot</a:t>
-            </a:r>
-            <a:r>
-              <a:rPr lang="de-AT" sz="2800" dirty="0">
-                <a:solidFill>
-                  <a:srgbClr val="FF0000"/>
-                </a:solidFill>
-              </a:rPr>
-              <a:t>/</a:t>
-            </a:r>
-            <a:r>
-              <a:rPr lang="de-AT" sz="2800" dirty="0" err="1">
-                <a:solidFill>
-                  <a:srgbClr val="FF0000"/>
-                </a:solidFill>
-              </a:rPr>
-              <a:t>smarthome</a:t>
-            </a:r>
-            <a:endParaRPr lang="de-AT" sz="2800" dirty="0">
-              <a:solidFill>
-                <a:srgbClr val="FF0000"/>
-              </a:solidFill>
-            </a:endParaRPr>
-          </a:p>
-          <a:p>
-            <a:r>
-              <a:rPr lang="de-AT" dirty="0"/>
-              <a:t>SFTP oder Samba-Share</a:t>
-            </a:r>
-          </a:p>
-          <a:p>
-            <a:pPr marL="541337" lvl="1" indent="0" algn="ctr">
-              <a:buNone/>
-            </a:pPr>
-            <a:r>
-              <a:rPr lang="de-AT" sz="3600" dirty="0">
-                <a:solidFill>
-                  <a:srgbClr val="FF0000"/>
-                </a:solidFill>
-              </a:rPr>
-              <a:t>                    192.168.2.3</a:t>
-            </a:r>
-          </a:p>
-          <a:p>
-            <a:pPr marL="541337" lvl="1" indent="0" algn="ctr">
-              <a:buNone/>
-            </a:pPr>
-            <a:r>
-              <a:rPr lang="de-AT" sz="3600" dirty="0">
-                <a:solidFill>
-                  <a:srgbClr val="FF0000"/>
-                </a:solidFill>
-              </a:rPr>
-              <a:t>                    </a:t>
             </a:r>
             <a:r>
               <a:rPr lang="de-AT" sz="3600" dirty="0" err="1">
@@ -2254,7 +2193,7 @@
                   <a:srgbClr val="FF0000"/>
                 </a:solidFill>
               </a:rPr>
-              <a:t>leo</a:t>
+              <a:t>leoiot</a:t>
             </a:r>
             <a:r>
               <a:rPr lang="de-AT" sz="3600" dirty="0">
@@ -2270,7 +2209,7 @@
                   <a:srgbClr val="FF0000"/>
                 </a:solidFill>
               </a:rPr>
-              <a:t>passme</a:t>
+              <a:t>sperlhof</a:t>
             </a:r>
             <a:endParaRPr lang="de-AT" sz="3600" dirty="0">
               <a:solidFill>
@@ -2279,10 +2218,16 @@
             </a:endParaRPr>
           </a:p>
           <a:p>
-            <a:pPr marL="541337" lvl="1" indent="0" algn="ctr">
-              <a:buNone/>
-            </a:pPr>
-            <a:endParaRPr lang="de-AT" sz="3600" dirty="0">
+            <a:pPr lvl="1"/>
+            <a:r>
+              <a:rPr lang="de-AT" sz="3400">
+                <a:solidFill>
+                  <a:srgbClr val="FF0000"/>
+                </a:solidFill>
+              </a:rPr>
+              <a:t>192.168.178.xx</a:t>
+            </a:r>
+            <a:endParaRPr lang="de-AT" sz="3400" dirty="0">
               <a:solidFill>
                 <a:srgbClr val="FF0000"/>
               </a:solidFill>
@@ -2294,7 +2239,7 @@
               <a:buFont typeface="Wingdings" pitchFamily="2" charset="2"/>
               <a:buChar char="§"/>
             </a:pPr>
-            <a:endParaRPr lang="de-AT" sz="2600" dirty="0"/>
+            <a:endParaRPr lang="de-AT" sz="3200" dirty="0"/>
           </a:p>
           <a:p>
             <a:pPr marL="269875" lvl="1" indent="-269875">
@@ -2303,32 +2248,32 @@
               <a:buChar char="§"/>
             </a:pPr>
             <a:r>
-              <a:rPr lang="de-AT" sz="2600" dirty="0" err="1"/>
+              <a:rPr lang="de-AT" sz="3200" dirty="0" err="1"/>
               <a:t>Github</a:t>
             </a:r>
             <a:r>
-              <a:rPr lang="de-AT" sz="2600" dirty="0"/>
+              <a:rPr lang="de-AT" sz="3200" dirty="0"/>
               <a:t>: </a:t>
             </a:r>
             <a:r>
-              <a:rPr lang="de-AT" sz="2600" dirty="0" err="1"/>
+              <a:rPr lang="de-AT" sz="3200" dirty="0" err="1"/>
               <a:t>htl-leo</a:t>
             </a:r>
             <a:r>
-              <a:rPr lang="de-AT" sz="2600" dirty="0"/>
+              <a:rPr lang="de-AT" sz="3200" dirty="0"/>
               <a:t>/</a:t>
             </a:r>
             <a:r>
-              <a:rPr lang="de-AT" sz="2600" dirty="0" err="1"/>
+              <a:rPr lang="de-AT" sz="3200" dirty="0" err="1"/>
               <a:t>iot</a:t>
             </a:r>
-            <a:endParaRPr lang="de-AT" sz="2600" dirty="0"/>
+            <a:endParaRPr lang="de-AT" sz="3200" dirty="0"/>
           </a:p>
           <a:p>
             <a:pPr marL="541337" lvl="1" indent="0" algn="ctr">
               <a:buNone/>
             </a:pPr>
-            <a:endParaRPr lang="de-AT" sz="3600" dirty="0">
+            <a:endParaRPr lang="de-AT" sz="4400" dirty="0">
               <a:solidFill>
                 <a:srgbClr val="FF0000"/>
               </a:solidFill>
@@ -2338,47 +2283,17 @@
             <a:pPr marL="541337" lvl="1" indent="0" algn="ctr">
               <a:buNone/>
             </a:pPr>
-            <a:endParaRPr lang="de-AT" sz="3600" dirty="0">
+            <a:endParaRPr lang="de-AT" sz="4400" dirty="0">
               <a:solidFill>
                 <a:srgbClr val="FF0000"/>
               </a:solidFill>
             </a:endParaRPr>
           </a:p>
           <a:p>
-            <a:endParaRPr lang="de-AT" dirty="0"/>
+            <a:endParaRPr lang="de-AT" sz="3200" dirty="0"/>
           </a:p>
         </p:txBody>
       </p:sp>
-      <p:pic>
-        <p:nvPicPr>
-          <p:cNvPr id="5" name="Grafik 4">
-            <a:extLst>
-              <a:ext uri="{FF2B5EF4-FFF2-40B4-BE49-F238E27FC236}">
-                <a16:creationId xmlns:a16="http://schemas.microsoft.com/office/drawing/2014/main" id="{F6F8A93D-9815-1028-7F34-CE64507201CD}"/>
-              </a:ext>
-            </a:extLst>
-          </p:cNvPr>
-          <p:cNvPicPr>
-            <a:picLocks noChangeAspect="1"/>
-          </p:cNvPicPr>
-          <p:nvPr/>
-        </p:nvPicPr>
-        <p:blipFill>
-          <a:blip r:embed="rId2"/>
-          <a:stretch>
-            <a:fillRect/>
-          </a:stretch>
-        </p:blipFill>
-        <p:spPr>
-          <a:xfrm>
-            <a:off x="1403648" y="2195736"/>
-            <a:ext cx="2990303" cy="1832982"/>
-          </a:xfrm>
-          <a:prstGeom prst="rect">
-            <a:avLst/>
-          </a:prstGeom>
-        </p:spPr>
-      </p:pic>
     </p:spTree>
     <p:extLst>
       <p:ext uri="{BB962C8B-B14F-4D97-AF65-F5344CB8AC3E}">
@@ -2462,6 +2377,12 @@
         <p:txBody>
           <a:bodyPr/>
           <a:lstStyle/>
+          <a:p>
+            <a:r>
+              <a:rPr lang="de-AT" dirty="0"/>
+              <a:t>Shelly</a:t>
+            </a:r>
+          </a:p>
           <a:p>
             <a:r>
               <a:rPr lang="de-AT" dirty="0" err="1"/>
